--- a/sem-1/EPEA515/live-class-ppt/UNIT-06-01.pptx
+++ b/sem-1/EPEA515/live-class-ppt/UNIT-06-01.pptx
@@ -235,7 +235,7 @@
           <a:p>
             <a:fld id="{C71E31DF-E085-4560-B70C-2BE0282116AF}" type="datetimeFigureOut">
               <a:rPr lang="en-US" smtClean="0"/>
-              <a:t>6/11/2023</a:t>
+              <a:t>6/18/23</a:t>
             </a:fld>
             <a:endParaRPr lang="en-US"/>
           </a:p>
@@ -1336,7 +1336,7 @@
           <a:p>
             <a:fld id="{71BC5188-02C1-4612-A2C7-F501CF181F2E}" type="datetimeFigureOut">
               <a:rPr lang="en-US" smtClean="0"/>
-              <a:t>6/11/2023</a:t>
+              <a:t>6/18/23</a:t>
             </a:fld>
             <a:endParaRPr lang="en-US"/>
           </a:p>
@@ -1593,7 +1593,7 @@
           <a:p>
             <a:fld id="{71BC5188-02C1-4612-A2C7-F501CF181F2E}" type="datetimeFigureOut">
               <a:rPr lang="en-US" smtClean="0"/>
-              <a:t>6/11/2023</a:t>
+              <a:t>6/18/23</a:t>
             </a:fld>
             <a:endParaRPr lang="en-US"/>
           </a:p>
@@ -1763,7 +1763,7 @@
           <a:p>
             <a:fld id="{71BC5188-02C1-4612-A2C7-F501CF181F2E}" type="datetimeFigureOut">
               <a:rPr lang="en-US" smtClean="0"/>
-              <a:t>6/11/2023</a:t>
+              <a:t>6/18/23</a:t>
             </a:fld>
             <a:endParaRPr lang="en-US"/>
           </a:p>
@@ -1943,7 +1943,7 @@
           <a:p>
             <a:fld id="{71BC5188-02C1-4612-A2C7-F501CF181F2E}" type="datetimeFigureOut">
               <a:rPr lang="en-US" smtClean="0"/>
-              <a:t>6/11/2023</a:t>
+              <a:t>6/18/23</a:t>
             </a:fld>
             <a:endParaRPr lang="en-US"/>
           </a:p>
@@ -2131,7 +2131,7 @@
           <a:p>
             <a:fld id="{F94AFE50-B8DB-4401-A8D8-175D0D9A4CE5}" type="datetimeFigureOut">
               <a:rPr lang="en-IN" smtClean="0"/>
-              <a:t>11-06-2023</a:t>
+              <a:t>18/06/23</a:t>
             </a:fld>
             <a:endParaRPr lang="en-IN"/>
           </a:p>
@@ -2852,7 +2852,7 @@
           <a:p>
             <a:fld id="{71BC5188-02C1-4612-A2C7-F501CF181F2E}" type="datetimeFigureOut">
               <a:rPr lang="en-US" smtClean="0"/>
-              <a:t>6/11/2023</a:t>
+              <a:t>6/18/23</a:t>
             </a:fld>
             <a:endParaRPr lang="en-US"/>
           </a:p>
@@ -3626,7 +3626,7 @@
           <a:p>
             <a:fld id="{71BC5188-02C1-4612-A2C7-F501CF181F2E}" type="datetimeFigureOut">
               <a:rPr lang="en-US" smtClean="0"/>
-              <a:t>6/11/2023</a:t>
+              <a:t>6/18/23</a:t>
             </a:fld>
             <a:endParaRPr lang="en-US"/>
           </a:p>
@@ -3858,7 +3858,7 @@
           <a:p>
             <a:fld id="{71BC5188-02C1-4612-A2C7-F501CF181F2E}" type="datetimeFigureOut">
               <a:rPr lang="en-US" smtClean="0"/>
-              <a:t>6/11/2023</a:t>
+              <a:t>6/18/23</a:t>
             </a:fld>
             <a:endParaRPr lang="en-US"/>
           </a:p>
@@ -4225,7 +4225,7 @@
           <a:p>
             <a:fld id="{71BC5188-02C1-4612-A2C7-F501CF181F2E}" type="datetimeFigureOut">
               <a:rPr lang="en-US" smtClean="0"/>
-              <a:t>6/11/2023</a:t>
+              <a:t>6/18/23</a:t>
             </a:fld>
             <a:endParaRPr lang="en-US"/>
           </a:p>
@@ -4343,7 +4343,7 @@
           <a:p>
             <a:fld id="{71BC5188-02C1-4612-A2C7-F501CF181F2E}" type="datetimeFigureOut">
               <a:rPr lang="en-US" smtClean="0"/>
-              <a:t>6/11/2023</a:t>
+              <a:t>6/18/23</a:t>
             </a:fld>
             <a:endParaRPr lang="en-US"/>
           </a:p>
@@ -4438,7 +4438,7 @@
           <a:p>
             <a:fld id="{71BC5188-02C1-4612-A2C7-F501CF181F2E}" type="datetimeFigureOut">
               <a:rPr lang="en-US" smtClean="0"/>
-              <a:t>6/11/2023</a:t>
+              <a:t>6/18/23</a:t>
             </a:fld>
             <a:endParaRPr lang="en-US"/>
           </a:p>
@@ -4651,7 +4651,7 @@
           <a:p>
             <a:fld id="{71BC5188-02C1-4612-A2C7-F501CF181F2E}" type="datetimeFigureOut">
               <a:rPr lang="en-US" smtClean="0"/>
-              <a:t>6/11/2023</a:t>
+              <a:t>6/18/23</a:t>
             </a:fld>
             <a:endParaRPr lang="en-US"/>
           </a:p>
